--- a/proj4.pptx
+++ b/proj4.pptx
@@ -21,6 +21,8 @@
     <p:sldId id="268" r:id="rId15"/>
     <p:sldId id="261" r:id="rId16"/>
     <p:sldId id="270" r:id="rId17"/>
+    <p:sldId id="272" r:id="rId18"/>
+    <p:sldId id="273" r:id="rId19"/>
   </p:sldIdLst>
   <p:sldSz cx="12192000" cy="6858000"/>
   <p:notesSz cx="6858000" cy="9144000"/>
@@ -119,13 +121,18 @@
       </a:defRPr>
     </a:lvl9pPr>
   </p:defaultTextStyle>
+  <p:extLst>
+    <p:ext uri="{EFAFB233-063F-42B5-8137-9DF3F51BA10A}">
+      <p15:sldGuideLst xmlns:p15="http://schemas.microsoft.com/office/powerpoint/2012/main"/>
+    </p:ext>
+  </p:extLst>
 </p:presentation>
 </file>
 
 <file path=ppt/revisionInfo.xml><?xml version="1.0" encoding="utf-8"?>
 <p1510:revInfo xmlns:a="http://schemas.openxmlformats.org/drawingml/2006/main" xmlns:r="http://schemas.openxmlformats.org/officeDocument/2006/relationships" xmlns:p1510="http://schemas.microsoft.com/office/powerpoint/2015/10/main">
   <p1510:revLst>
-    <p1510:client id="{F26470F2-1B44-471E-BDFD-C56C51C4D2E9}" v="56" dt="2019-11-18T08:25:15.363"/>
+    <p1510:client id="{BC4E42C2-0E72-49BA-B6DA-142B339C90BB}" v="11" dt="2019-11-20T23:05:53.672"/>
   </p1510:revLst>
 </p1510:revInfo>
 </file>
@@ -521,6 +528,124 @@
       </pc:sldChg>
     </pc:docChg>
   </pc:docChgLst>
+  <pc:docChgLst>
+    <pc:chgData name="Richard Lee" userId="9c7c75a538137eb7" providerId="LiveId" clId="{BC4E42C2-0E72-49BA-B6DA-142B339C90BB}"/>
+    <pc:docChg chg="undo custSel addSld modSld">
+      <pc:chgData name="Richard Lee" userId="9c7c75a538137eb7" providerId="LiveId" clId="{BC4E42C2-0E72-49BA-B6DA-142B339C90BB}" dt="2019-11-20T23:06:00.530" v="362" actId="1076"/>
+      <pc:docMkLst>
+        <pc:docMk/>
+      </pc:docMkLst>
+      <pc:sldChg chg="addSp delSp modSp">
+        <pc:chgData name="Richard Lee" userId="9c7c75a538137eb7" providerId="LiveId" clId="{BC4E42C2-0E72-49BA-B6DA-142B339C90BB}" dt="2019-11-20T22:10:12.693" v="85" actId="478"/>
+        <pc:sldMkLst>
+          <pc:docMk/>
+          <pc:sldMk cId="1129296379" sldId="267"/>
+        </pc:sldMkLst>
+        <pc:picChg chg="add del mod">
+          <ac:chgData name="Richard Lee" userId="9c7c75a538137eb7" providerId="LiveId" clId="{BC4E42C2-0E72-49BA-B6DA-142B339C90BB}" dt="2019-11-20T22:10:12.693" v="85" actId="478"/>
+          <ac:picMkLst>
+            <pc:docMk/>
+            <pc:sldMk cId="1129296379" sldId="267"/>
+            <ac:picMk id="4" creationId="{D29466C5-2F02-48AD-BFB8-BEF8638372EA}"/>
+          </ac:picMkLst>
+        </pc:picChg>
+        <pc:picChg chg="add del mod">
+          <ac:chgData name="Richard Lee" userId="9c7c75a538137eb7" providerId="LiveId" clId="{BC4E42C2-0E72-49BA-B6DA-142B339C90BB}" dt="2019-11-20T22:10:12.135" v="84" actId="478"/>
+          <ac:picMkLst>
+            <pc:docMk/>
+            <pc:sldMk cId="1129296379" sldId="267"/>
+            <ac:picMk id="5" creationId="{4A4E75EC-FDD6-49FD-94C4-6A638EDA2AFC}"/>
+          </ac:picMkLst>
+        </pc:picChg>
+      </pc:sldChg>
+      <pc:sldChg chg="addSp delSp modSp add">
+        <pc:chgData name="Richard Lee" userId="9c7c75a538137eb7" providerId="LiveId" clId="{BC4E42C2-0E72-49BA-B6DA-142B339C90BB}" dt="2019-11-20T22:58:29.502" v="344" actId="20577"/>
+        <pc:sldMkLst>
+          <pc:docMk/>
+          <pc:sldMk cId="3522834154" sldId="272"/>
+        </pc:sldMkLst>
+        <pc:spChg chg="mod">
+          <ac:chgData name="Richard Lee" userId="9c7c75a538137eb7" providerId="LiveId" clId="{BC4E42C2-0E72-49BA-B6DA-142B339C90BB}" dt="2019-11-20T21:26:21.349" v="31" actId="20577"/>
+          <ac:spMkLst>
+            <pc:docMk/>
+            <pc:sldMk cId="3522834154" sldId="272"/>
+            <ac:spMk id="2" creationId="{A436B139-EB68-4F80-9743-459D98C32E05}"/>
+          </ac:spMkLst>
+        </pc:spChg>
+        <pc:spChg chg="del mod">
+          <ac:chgData name="Richard Lee" userId="9c7c75a538137eb7" providerId="LiveId" clId="{BC4E42C2-0E72-49BA-B6DA-142B339C90BB}" dt="2019-11-20T22:06:30.347" v="63" actId="478"/>
+          <ac:spMkLst>
+            <pc:docMk/>
+            <pc:sldMk cId="3522834154" sldId="272"/>
+            <ac:spMk id="3" creationId="{7F3D800D-4E94-4245-8A61-40B051382909}"/>
+          </ac:spMkLst>
+        </pc:spChg>
+        <pc:spChg chg="add mod">
+          <ac:chgData name="Richard Lee" userId="9c7c75a538137eb7" providerId="LiveId" clId="{BC4E42C2-0E72-49BA-B6DA-142B339C90BB}" dt="2019-11-20T22:58:29.502" v="344" actId="20577"/>
+          <ac:spMkLst>
+            <pc:docMk/>
+            <pc:sldMk cId="3522834154" sldId="272"/>
+            <ac:spMk id="4" creationId="{2A36B80A-F16B-45ED-926E-0A60E92D4EF5}"/>
+          </ac:spMkLst>
+        </pc:spChg>
+        <pc:spChg chg="add del mod">
+          <ac:chgData name="Richard Lee" userId="9c7c75a538137eb7" providerId="LiveId" clId="{BC4E42C2-0E72-49BA-B6DA-142B339C90BB}" dt="2019-11-20T22:06:36.714" v="66" actId="478"/>
+          <ac:spMkLst>
+            <pc:docMk/>
+            <pc:sldMk cId="3522834154" sldId="272"/>
+            <ac:spMk id="6" creationId="{DA8F48BA-120B-4030-886B-A13460B06466}"/>
+          </ac:spMkLst>
+        </pc:spChg>
+      </pc:sldChg>
+      <pc:sldChg chg="addSp delSp modSp add mod">
+        <pc:chgData name="Richard Lee" userId="9c7c75a538137eb7" providerId="LiveId" clId="{BC4E42C2-0E72-49BA-B6DA-142B339C90BB}" dt="2019-11-20T23:06:00.530" v="362" actId="1076"/>
+        <pc:sldMkLst>
+          <pc:docMk/>
+          <pc:sldMk cId="819471334" sldId="273"/>
+        </pc:sldMkLst>
+        <pc:spChg chg="mod">
+          <ac:chgData name="Richard Lee" userId="9c7c75a538137eb7" providerId="LiveId" clId="{BC4E42C2-0E72-49BA-B6DA-142B339C90BB}" dt="2019-11-20T22:54:30.334" v="341" actId="20577"/>
+          <ac:spMkLst>
+            <pc:docMk/>
+            <pc:sldMk cId="819471334" sldId="273"/>
+            <ac:spMk id="2" creationId="{0B92038D-3045-4F20-AC28-1F26F369B0EB}"/>
+          </ac:spMkLst>
+        </pc:spChg>
+        <pc:spChg chg="add del mod">
+          <ac:chgData name="Richard Lee" userId="9c7c75a538137eb7" providerId="LiveId" clId="{BC4E42C2-0E72-49BA-B6DA-142B339C90BB}" dt="2019-11-20T23:05:56.093" v="359" actId="478"/>
+          <ac:spMkLst>
+            <pc:docMk/>
+            <pc:sldMk cId="819471334" sldId="273"/>
+            <ac:spMk id="3" creationId="{16F2A726-CB9F-46A5-AE4C-F07DC9B2ECFD}"/>
+          </ac:spMkLst>
+        </pc:spChg>
+        <pc:graphicFrameChg chg="add del mod">
+          <ac:chgData name="Richard Lee" userId="9c7c75a538137eb7" providerId="LiveId" clId="{BC4E42C2-0E72-49BA-B6DA-142B339C90BB}" dt="2019-11-20T23:05:19.261" v="354" actId="478"/>
+          <ac:graphicFrameMkLst>
+            <pc:docMk/>
+            <pc:sldMk cId="819471334" sldId="273"/>
+            <ac:graphicFrameMk id="4" creationId="{8A6F2460-5923-4C90-8ABA-BA2ABDED56A4}"/>
+          </ac:graphicFrameMkLst>
+        </pc:graphicFrameChg>
+        <pc:graphicFrameChg chg="add del">
+          <ac:chgData name="Richard Lee" userId="9c7c75a538137eb7" providerId="LiveId" clId="{BC4E42C2-0E72-49BA-B6DA-142B339C90BB}" dt="2019-11-20T23:05:28.137" v="357" actId="478"/>
+          <ac:graphicFrameMkLst>
+            <pc:docMk/>
+            <pc:sldMk cId="819471334" sldId="273"/>
+            <ac:graphicFrameMk id="5" creationId="{8A6F2460-5923-4C90-8ABA-BA2ABDED56A4}"/>
+          </ac:graphicFrameMkLst>
+        </pc:graphicFrameChg>
+        <pc:picChg chg="add mod">
+          <ac:chgData name="Richard Lee" userId="9c7c75a538137eb7" providerId="LiveId" clId="{BC4E42C2-0E72-49BA-B6DA-142B339C90BB}" dt="2019-11-20T23:06:00.530" v="362" actId="1076"/>
+          <ac:picMkLst>
+            <pc:docMk/>
+            <pc:sldMk cId="819471334" sldId="273"/>
+            <ac:picMk id="6" creationId="{33708E78-13D2-41F0-90DB-9F38383C4E56}"/>
+          </ac:picMkLst>
+        </pc:picChg>
+      </pc:sldChg>
+    </pc:docChg>
+  </pc:docChgLst>
 </pc:chgInfo>
 </file>
 
@@ -768,7 +893,7 @@
           <a:p>
             <a:fld id="{9184DA70-C731-4C70-880D-CCD4705E623C}" type="datetime1">
               <a:rPr lang="en-US" smtClean="0"/>
-              <a:t>11/17/2019</a:t>
+              <a:t>11/20/2019</a:t>
             </a:fld>
             <a:endParaRPr lang="en-US" dirty="0"/>
           </a:p>
@@ -956,7 +1081,7 @@
           <a:p>
             <a:fld id="{B612A279-0833-481D-8C56-F67FD0AC6C50}" type="datetime1">
               <a:rPr lang="en-US" smtClean="0"/>
-              <a:t>11/17/2019</a:t>
+              <a:t>11/20/2019</a:t>
             </a:fld>
             <a:endParaRPr lang="en-US" dirty="0"/>
           </a:p>
@@ -1198,7 +1323,7 @@
           <a:p>
             <a:fld id="{6587DA83-5663-4C9C-B9AA-0B40A3DAFF81}" type="datetime1">
               <a:rPr lang="en-US" smtClean="0"/>
-              <a:t>11/17/2019</a:t>
+              <a:t>11/20/2019</a:t>
             </a:fld>
             <a:endParaRPr lang="en-US" dirty="0"/>
           </a:p>
@@ -1386,7 +1511,7 @@
           <a:p>
             <a:fld id="{4BE1D723-8F53-4F53-90B0-1982A396982E}" type="datetime1">
               <a:rPr lang="en-US" smtClean="0"/>
-              <a:t>11/17/2019</a:t>
+              <a:t>11/20/2019</a:t>
             </a:fld>
             <a:endParaRPr lang="en-US" dirty="0"/>
           </a:p>
@@ -1759,7 +1884,7 @@
           <a:p>
             <a:fld id="{97669AF7-7BEB-44E4-9852-375E34362B5B}" type="datetime1">
               <a:rPr lang="en-US" smtClean="0"/>
-              <a:t>11/17/2019</a:t>
+              <a:t>11/20/2019</a:t>
             </a:fld>
             <a:endParaRPr lang="en-US" dirty="0"/>
           </a:p>
@@ -2014,7 +2139,7 @@
           <a:p>
             <a:fld id="{BAAAC38D-0552-4C82-B593-E6124DFADBE2}" type="datetime1">
               <a:rPr lang="en-US" smtClean="0"/>
-              <a:t>11/17/2019</a:t>
+              <a:t>11/20/2019</a:t>
             </a:fld>
             <a:endParaRPr lang="en-US" dirty="0"/>
           </a:p>
@@ -2411,7 +2536,7 @@
           <a:p>
             <a:fld id="{D9DF0F1C-5577-4ACB-BB62-DF8F3C494C7E}" type="datetime1">
               <a:rPr lang="en-US" smtClean="0"/>
-              <a:t>11/17/2019</a:t>
+              <a:t>11/20/2019</a:t>
             </a:fld>
             <a:endParaRPr lang="en-US" dirty="0"/>
           </a:p>
@@ -2547,7 +2672,7 @@
           <a:p>
             <a:fld id="{1775B394-D9F9-4F0C-B15D-605F45CB9E9F}" type="datetime1">
               <a:rPr lang="en-US" smtClean="0"/>
-              <a:t>11/17/2019</a:t>
+              <a:t>11/20/2019</a:t>
             </a:fld>
             <a:endParaRPr lang="en-US" dirty="0"/>
           </a:p>
@@ -2704,7 +2829,7 @@
           <a:p>
             <a:fld id="{39667345-2558-425A-8533-9BFDBCE15005}" type="datetime1">
               <a:rPr lang="en-US" smtClean="0"/>
-              <a:t>11/17/2019</a:t>
+              <a:t>11/20/2019</a:t>
             </a:fld>
             <a:endParaRPr lang="en-US" dirty="0"/>
           </a:p>
@@ -3033,7 +3158,7 @@
           <a:p>
             <a:fld id="{92BEA474-078D-4E9B-9B14-09A87B19DC46}" type="datetime1">
               <a:rPr lang="en-US" smtClean="0"/>
-              <a:t>11/17/2019</a:t>
+              <a:t>11/20/2019</a:t>
             </a:fld>
             <a:endParaRPr lang="en-US" dirty="0"/>
           </a:p>
@@ -3383,7 +3508,7 @@
           <a:p>
             <a:fld id="{4907D986-8816-4272-A432-0437A28A9828}" type="datetime1">
               <a:rPr lang="en-US" smtClean="0"/>
-              <a:t>11/17/2019</a:t>
+              <a:t>11/20/2019</a:t>
             </a:fld>
             <a:endParaRPr lang="en-US" dirty="0"/>
           </a:p>
@@ -3644,7 +3769,7 @@
           <a:p>
             <a:fld id="{62D6E202-B606-4609-B914-27C9371A1F6D}" type="datetime1">
               <a:rPr lang="en-US" smtClean="0"/>
-              <a:t>11/17/2019</a:t>
+              <a:t>11/20/2019</a:t>
             </a:fld>
             <a:endParaRPr lang="en-US" dirty="0"/>
           </a:p>
@@ -5608,6 +5733,480 @@
 </p:sld>
 </file>
 
+<file path=ppt/slides/slide17.xml><?xml version="1.0" encoding="utf-8"?>
+<p:sld xmlns:a="http://schemas.openxmlformats.org/drawingml/2006/main" xmlns:r="http://schemas.openxmlformats.org/officeDocument/2006/relationships" xmlns:p="http://schemas.openxmlformats.org/presentationml/2006/main">
+  <p:cSld>
+    <p:spTree>
+      <p:nvGrpSpPr>
+        <p:cNvPr id="1" name=""/>
+        <p:cNvGrpSpPr/>
+        <p:nvPr/>
+      </p:nvGrpSpPr>
+      <p:grpSpPr>
+        <a:xfrm>
+          <a:off x="0" y="0"/>
+          <a:ext cx="0" cy="0"/>
+          <a:chOff x="0" y="0"/>
+          <a:chExt cx="0" cy="0"/>
+        </a:xfrm>
+      </p:grpSpPr>
+      <p:sp>
+        <p:nvSpPr>
+          <p:cNvPr id="2" name="Title 1">
+            <a:extLst>
+              <a:ext uri="{FF2B5EF4-FFF2-40B4-BE49-F238E27FC236}">
+                <a16:creationId xmlns:a16="http://schemas.microsoft.com/office/drawing/2014/main" id="{A436B139-EB68-4F80-9743-459D98C32E05}"/>
+              </a:ext>
+            </a:extLst>
+          </p:cNvPr>
+          <p:cNvSpPr>
+            <a:spLocks noGrp="1"/>
+          </p:cNvSpPr>
+          <p:nvPr>
+            <p:ph type="title"/>
+          </p:nvPr>
+        </p:nvSpPr>
+        <p:spPr/>
+        <p:txBody>
+          <a:bodyPr/>
+          <a:lstStyle/>
+          <a:p>
+            <a:r>
+              <a:rPr lang="en-US" dirty="0"/>
+              <a:t>Results</a:t>
+            </a:r>
+          </a:p>
+        </p:txBody>
+      </p:sp>
+      <p:sp>
+        <p:nvSpPr>
+          <p:cNvPr id="4" name="Content Placeholder 2">
+            <a:extLst>
+              <a:ext uri="{FF2B5EF4-FFF2-40B4-BE49-F238E27FC236}">
+                <a16:creationId xmlns:a16="http://schemas.microsoft.com/office/drawing/2014/main" id="{2A36B80A-F16B-45ED-926E-0A60E92D4EF5}"/>
+              </a:ext>
+            </a:extLst>
+          </p:cNvPr>
+          <p:cNvSpPr txBox="1">
+            <a:spLocks/>
+          </p:cNvSpPr>
+          <p:nvPr/>
+        </p:nvSpPr>
+        <p:spPr>
+          <a:xfrm>
+            <a:off x="1097280" y="2016088"/>
+            <a:ext cx="10058400" cy="4230476"/>
+          </a:xfrm>
+          <a:prstGeom prst="rect">
+            <a:avLst/>
+          </a:prstGeom>
+        </p:spPr>
+        <p:txBody>
+          <a:bodyPr vert="horz" lIns="0" tIns="45720" rIns="0" bIns="45720" rtlCol="0">
+            <a:normAutofit/>
+          </a:bodyPr>
+          <a:lstStyle>
+            <a:lvl1pPr marL="91440" indent="-91440" algn="l" defTabSz="914400" rtl="0" eaLnBrk="1" latinLnBrk="0" hangingPunct="1">
+              <a:lnSpc>
+                <a:spcPct val="120000"/>
+              </a:lnSpc>
+              <a:spcBef>
+                <a:spcPts val="1200"/>
+              </a:spcBef>
+              <a:spcAft>
+                <a:spcPts val="200"/>
+              </a:spcAft>
+              <a:buClr>
+                <a:schemeClr val="accent1"/>
+              </a:buClr>
+              <a:buSzPct val="100000"/>
+              <a:buFont typeface="Calibri" panose="020F0502020204030204" pitchFamily="34" charset="0"/>
+              <a:buChar char=" "/>
+              <a:defRPr sz="1800" kern="1200">
+                <a:solidFill>
+                  <a:schemeClr val="tx1">
+                    <a:lumMod val="75000"/>
+                    <a:lumOff val="25000"/>
+                  </a:schemeClr>
+                </a:solidFill>
+                <a:latin typeface="+mn-lt"/>
+                <a:ea typeface="+mn-ea"/>
+                <a:cs typeface="+mn-cs"/>
+              </a:defRPr>
+            </a:lvl1pPr>
+            <a:lvl2pPr marL="384048" indent="-182880" algn="l" defTabSz="914400" rtl="0" eaLnBrk="1" latinLnBrk="0" hangingPunct="1">
+              <a:lnSpc>
+                <a:spcPct val="100000"/>
+              </a:lnSpc>
+              <a:spcBef>
+                <a:spcPts val="200"/>
+              </a:spcBef>
+              <a:spcAft>
+                <a:spcPts val="400"/>
+              </a:spcAft>
+              <a:buClrTx/>
+              <a:buFont typeface="Calibri" pitchFamily="34" charset="0"/>
+              <a:buChar char="◦"/>
+              <a:defRPr sz="1600" kern="1200">
+                <a:solidFill>
+                  <a:schemeClr val="tx1">
+                    <a:lumMod val="75000"/>
+                    <a:lumOff val="25000"/>
+                  </a:schemeClr>
+                </a:solidFill>
+                <a:latin typeface="+mn-lt"/>
+                <a:ea typeface="+mn-ea"/>
+                <a:cs typeface="+mn-cs"/>
+              </a:defRPr>
+            </a:lvl2pPr>
+            <a:lvl3pPr marL="566928" indent="-182880" algn="l" defTabSz="914400" rtl="0" eaLnBrk="1" latinLnBrk="0" hangingPunct="1">
+              <a:lnSpc>
+                <a:spcPct val="100000"/>
+              </a:lnSpc>
+              <a:spcBef>
+                <a:spcPts val="200"/>
+              </a:spcBef>
+              <a:spcAft>
+                <a:spcPts val="400"/>
+              </a:spcAft>
+              <a:buClrTx/>
+              <a:buFont typeface="Calibri" pitchFamily="34" charset="0"/>
+              <a:buChar char="◦"/>
+              <a:defRPr sz="1200" kern="1200">
+                <a:solidFill>
+                  <a:schemeClr val="tx1">
+                    <a:lumMod val="75000"/>
+                    <a:lumOff val="25000"/>
+                  </a:schemeClr>
+                </a:solidFill>
+                <a:latin typeface="+mn-lt"/>
+                <a:ea typeface="+mn-ea"/>
+                <a:cs typeface="+mn-cs"/>
+              </a:defRPr>
+            </a:lvl3pPr>
+            <a:lvl4pPr marL="749808" indent="-182880" algn="l" defTabSz="914400" rtl="0" eaLnBrk="1" latinLnBrk="0" hangingPunct="1">
+              <a:lnSpc>
+                <a:spcPct val="100000"/>
+              </a:lnSpc>
+              <a:spcBef>
+                <a:spcPts val="200"/>
+              </a:spcBef>
+              <a:spcAft>
+                <a:spcPts val="400"/>
+              </a:spcAft>
+              <a:buClrTx/>
+              <a:buFont typeface="Calibri" pitchFamily="34" charset="0"/>
+              <a:buChar char="◦"/>
+              <a:defRPr sz="1200" kern="1200">
+                <a:solidFill>
+                  <a:schemeClr val="tx1">
+                    <a:lumMod val="75000"/>
+                    <a:lumOff val="25000"/>
+                  </a:schemeClr>
+                </a:solidFill>
+                <a:latin typeface="+mn-lt"/>
+                <a:ea typeface="+mn-ea"/>
+                <a:cs typeface="+mn-cs"/>
+              </a:defRPr>
+            </a:lvl4pPr>
+            <a:lvl5pPr marL="932688" indent="-182880" algn="l" defTabSz="914400" rtl="0" eaLnBrk="1" latinLnBrk="0" hangingPunct="1">
+              <a:lnSpc>
+                <a:spcPct val="100000"/>
+              </a:lnSpc>
+              <a:spcBef>
+                <a:spcPts val="200"/>
+              </a:spcBef>
+              <a:spcAft>
+                <a:spcPts val="400"/>
+              </a:spcAft>
+              <a:buClrTx/>
+              <a:buFont typeface="Calibri" pitchFamily="34" charset="0"/>
+              <a:buChar char="◦"/>
+              <a:defRPr sz="1200" kern="1200">
+                <a:solidFill>
+                  <a:schemeClr val="tx1">
+                    <a:lumMod val="75000"/>
+                    <a:lumOff val="25000"/>
+                  </a:schemeClr>
+                </a:solidFill>
+                <a:latin typeface="+mn-lt"/>
+                <a:ea typeface="+mn-ea"/>
+                <a:cs typeface="+mn-cs"/>
+              </a:defRPr>
+            </a:lvl5pPr>
+            <a:lvl6pPr marL="1100000" indent="-228600" algn="l" defTabSz="914400" rtl="0" eaLnBrk="1" latinLnBrk="0" hangingPunct="1">
+              <a:lnSpc>
+                <a:spcPct val="90000"/>
+              </a:lnSpc>
+              <a:spcBef>
+                <a:spcPts val="200"/>
+              </a:spcBef>
+              <a:spcAft>
+                <a:spcPts val="400"/>
+              </a:spcAft>
+              <a:buClr>
+                <a:schemeClr val="accent1"/>
+              </a:buClr>
+              <a:buFont typeface="Calibri" pitchFamily="34" charset="0"/>
+              <a:buChar char="◦"/>
+              <a:defRPr sz="1400" kern="1200">
+                <a:solidFill>
+                  <a:schemeClr val="tx1">
+                    <a:lumMod val="75000"/>
+                    <a:lumOff val="25000"/>
+                  </a:schemeClr>
+                </a:solidFill>
+                <a:latin typeface="+mn-lt"/>
+                <a:ea typeface="+mn-ea"/>
+                <a:cs typeface="+mn-cs"/>
+              </a:defRPr>
+            </a:lvl6pPr>
+            <a:lvl7pPr marL="1300000" indent="-228600" algn="l" defTabSz="914400" rtl="0" eaLnBrk="1" latinLnBrk="0" hangingPunct="1">
+              <a:lnSpc>
+                <a:spcPct val="90000"/>
+              </a:lnSpc>
+              <a:spcBef>
+                <a:spcPts val="200"/>
+              </a:spcBef>
+              <a:spcAft>
+                <a:spcPts val="400"/>
+              </a:spcAft>
+              <a:buClr>
+                <a:schemeClr val="accent1"/>
+              </a:buClr>
+              <a:buFont typeface="Calibri" pitchFamily="34" charset="0"/>
+              <a:buChar char="◦"/>
+              <a:defRPr sz="1400" kern="1200">
+                <a:solidFill>
+                  <a:schemeClr val="tx1">
+                    <a:lumMod val="75000"/>
+                    <a:lumOff val="25000"/>
+                  </a:schemeClr>
+                </a:solidFill>
+                <a:latin typeface="+mn-lt"/>
+                <a:ea typeface="+mn-ea"/>
+                <a:cs typeface="+mn-cs"/>
+              </a:defRPr>
+            </a:lvl7pPr>
+            <a:lvl8pPr marL="1500000" indent="-228600" algn="l" defTabSz="914400" rtl="0" eaLnBrk="1" latinLnBrk="0" hangingPunct="1">
+              <a:lnSpc>
+                <a:spcPct val="90000"/>
+              </a:lnSpc>
+              <a:spcBef>
+                <a:spcPts val="200"/>
+              </a:spcBef>
+              <a:spcAft>
+                <a:spcPts val="400"/>
+              </a:spcAft>
+              <a:buClr>
+                <a:schemeClr val="accent1"/>
+              </a:buClr>
+              <a:buFont typeface="Calibri" pitchFamily="34" charset="0"/>
+              <a:buChar char="◦"/>
+              <a:defRPr sz="1400" kern="1200">
+                <a:solidFill>
+                  <a:schemeClr val="tx1">
+                    <a:lumMod val="75000"/>
+                    <a:lumOff val="25000"/>
+                  </a:schemeClr>
+                </a:solidFill>
+                <a:latin typeface="+mn-lt"/>
+                <a:ea typeface="+mn-ea"/>
+                <a:cs typeface="+mn-cs"/>
+              </a:defRPr>
+            </a:lvl8pPr>
+            <a:lvl9pPr marL="1700000" indent="-228600" algn="l" defTabSz="914400" rtl="0" eaLnBrk="1" latinLnBrk="0" hangingPunct="1">
+              <a:lnSpc>
+                <a:spcPct val="90000"/>
+              </a:lnSpc>
+              <a:spcBef>
+                <a:spcPts val="200"/>
+              </a:spcBef>
+              <a:spcAft>
+                <a:spcPts val="400"/>
+              </a:spcAft>
+              <a:buClr>
+                <a:schemeClr val="accent1"/>
+              </a:buClr>
+              <a:buFont typeface="Calibri" pitchFamily="34" charset="0"/>
+              <a:buChar char="◦"/>
+              <a:defRPr sz="1400" kern="1200">
+                <a:solidFill>
+                  <a:schemeClr val="tx1">
+                    <a:lumMod val="75000"/>
+                    <a:lumOff val="25000"/>
+                  </a:schemeClr>
+                </a:solidFill>
+                <a:latin typeface="+mn-lt"/>
+                <a:ea typeface="+mn-ea"/>
+                <a:cs typeface="+mn-cs"/>
+              </a:defRPr>
+            </a:lvl9pPr>
+          </a:lstStyle>
+          <a:p>
+            <a:r>
+              <a:rPr lang="en-US" b="1" dirty="0"/>
+              <a:t>9: A3 + P2</a:t>
+            </a:r>
+          </a:p>
+          <a:p>
+            <a:pPr lvl="1"/>
+            <a:r>
+              <a:rPr lang="en-US" dirty="0"/>
+              <a:t>ALS &amp; Postprocessing SVD with KNN</a:t>
+            </a:r>
+          </a:p>
+          <a:p>
+            <a:pPr lvl="1"/>
+            <a:r>
+              <a:rPr lang="en-US" dirty="0"/>
+              <a:t>RMSE of train: 0.6180, RMSE of test: 1.601</a:t>
+            </a:r>
+          </a:p>
+          <a:p>
+            <a:r>
+              <a:rPr lang="en-US" b="1" dirty="0"/>
+              <a:t>11: A3 + R1 + R2 + P2</a:t>
+            </a:r>
+          </a:p>
+          <a:p>
+            <a:pPr lvl="1"/>
+            <a:r>
+              <a:rPr lang="en-US" dirty="0"/>
+              <a:t>ALS &amp; Penalizing Magnitudes &amp; Bias and Intercepts &amp; Postprocessing SVD with KNN</a:t>
+            </a:r>
+          </a:p>
+          <a:p>
+            <a:pPr lvl="1"/>
+            <a:r>
+              <a:rPr lang="en-US" dirty="0"/>
+              <a:t>RMSE of train: 1.358, RMSE of test: 1.139</a:t>
+            </a:r>
+            <a:endParaRPr lang="en-US" b="1" dirty="0"/>
+          </a:p>
+          <a:p>
+            <a:r>
+              <a:rPr lang="en-US" b="1" dirty="0"/>
+              <a:t>13: A3 + R3 + P2</a:t>
+            </a:r>
+          </a:p>
+          <a:p>
+            <a:pPr lvl="1"/>
+            <a:r>
+              <a:rPr lang="en-US" dirty="0"/>
+              <a:t>ALS &amp; Temporal Dynamics &amp; Postprocessing SVD with KNN</a:t>
+            </a:r>
+          </a:p>
+          <a:p>
+            <a:pPr lvl="1"/>
+            <a:r>
+              <a:rPr lang="en-US" dirty="0"/>
+              <a:t>RMSE of train: 1.671, RMSE of test: 2.115</a:t>
+            </a:r>
+          </a:p>
+        </p:txBody>
+      </p:sp>
+    </p:spTree>
+    <p:extLst>
+      <p:ext uri="{BB962C8B-B14F-4D97-AF65-F5344CB8AC3E}">
+        <p14:creationId xmlns:p14="http://schemas.microsoft.com/office/powerpoint/2010/main" val="3522834154"/>
+      </p:ext>
+    </p:extLst>
+  </p:cSld>
+  <p:clrMapOvr>
+    <a:masterClrMapping/>
+  </p:clrMapOvr>
+</p:sld>
+</file>
+
+<file path=ppt/slides/slide18.xml><?xml version="1.0" encoding="utf-8"?>
+<p:sld xmlns:a="http://schemas.openxmlformats.org/drawingml/2006/main" xmlns:r="http://schemas.openxmlformats.org/officeDocument/2006/relationships" xmlns:p="http://schemas.openxmlformats.org/presentationml/2006/main">
+  <p:cSld>
+    <p:spTree>
+      <p:nvGrpSpPr>
+        <p:cNvPr id="1" name=""/>
+        <p:cNvGrpSpPr/>
+        <p:nvPr/>
+      </p:nvGrpSpPr>
+      <p:grpSpPr>
+        <a:xfrm>
+          <a:off x="0" y="0"/>
+          <a:ext cx="0" cy="0"/>
+          <a:chOff x="0" y="0"/>
+          <a:chExt cx="0" cy="0"/>
+        </a:xfrm>
+      </p:grpSpPr>
+      <p:sp>
+        <p:nvSpPr>
+          <p:cNvPr id="2" name="Title 1">
+            <a:extLst>
+              <a:ext uri="{FF2B5EF4-FFF2-40B4-BE49-F238E27FC236}">
+                <a16:creationId xmlns:a16="http://schemas.microsoft.com/office/drawing/2014/main" id="{0B92038D-3045-4F20-AC28-1F26F369B0EB}"/>
+              </a:ext>
+            </a:extLst>
+          </p:cNvPr>
+          <p:cNvSpPr>
+            <a:spLocks noGrp="1"/>
+          </p:cNvSpPr>
+          <p:nvPr>
+            <p:ph type="title"/>
+          </p:nvPr>
+        </p:nvSpPr>
+        <p:spPr/>
+        <p:txBody>
+          <a:bodyPr/>
+          <a:lstStyle/>
+          <a:p>
+            <a:r>
+              <a:rPr lang="en-US" dirty="0"/>
+              <a:t>Visual Comparison</a:t>
+            </a:r>
+          </a:p>
+        </p:txBody>
+      </p:sp>
+      <p:pic>
+        <p:nvPicPr>
+          <p:cNvPr id="6" name="Picture 5">
+            <a:extLst>
+              <a:ext uri="{FF2B5EF4-FFF2-40B4-BE49-F238E27FC236}">
+                <a16:creationId xmlns:a16="http://schemas.microsoft.com/office/drawing/2014/main" id="{33708E78-13D2-41F0-90DB-9F38383C4E56}"/>
+              </a:ext>
+            </a:extLst>
+          </p:cNvPr>
+          <p:cNvPicPr>
+            <a:picLocks noChangeAspect="1"/>
+          </p:cNvPicPr>
+          <p:nvPr/>
+        </p:nvPicPr>
+        <p:blipFill>
+          <a:blip r:embed="rId2"/>
+          <a:stretch>
+            <a:fillRect/>
+          </a:stretch>
+        </p:blipFill>
+        <p:spPr>
+          <a:xfrm>
+            <a:off x="3115108" y="2078182"/>
+            <a:ext cx="6409302" cy="3898323"/>
+          </a:xfrm>
+          <a:prstGeom prst="rect">
+            <a:avLst/>
+          </a:prstGeom>
+        </p:spPr>
+      </p:pic>
+    </p:spTree>
+    <p:extLst>
+      <p:ext uri="{BB962C8B-B14F-4D97-AF65-F5344CB8AC3E}">
+        <p14:creationId xmlns:p14="http://schemas.microsoft.com/office/powerpoint/2010/main" val="819471334"/>
+      </p:ext>
+    </p:extLst>
+  </p:cSld>
+  <p:clrMapOvr>
+    <a:masterClrMapping/>
+  </p:clrMapOvr>
+</p:sld>
+</file>
+
 <file path=ppt/slides/slide2.xml><?xml version="1.0" encoding="utf-8"?>
 <p:sld xmlns:a="http://schemas.openxmlformats.org/drawingml/2006/main" xmlns:r="http://schemas.openxmlformats.org/officeDocument/2006/relationships" xmlns:p="http://schemas.openxmlformats.org/presentationml/2006/main">
   <p:cSld>
